--- a/TicketStore.pptx
+++ b/TicketStore.pptx
@@ -5,10 +5,10 @@
     <p:sldMasterId id="2147483672" r:id="rId4"/>
   </p:sldMasterIdLst>
   <p:notesMasterIdLst>
-    <p:notesMasterId r:id="rId16"/>
+    <p:notesMasterId r:id="rId17"/>
   </p:notesMasterIdLst>
   <p:handoutMasterIdLst>
-    <p:handoutMasterId r:id="rId17"/>
+    <p:handoutMasterId r:id="rId18"/>
   </p:handoutMasterIdLst>
   <p:sldIdLst>
     <p:sldId id="256" r:id="rId5"/>
@@ -17,11 +17,12 @@
     <p:sldId id="263" r:id="rId8"/>
     <p:sldId id="265" r:id="rId9"/>
     <p:sldId id="264" r:id="rId10"/>
-    <p:sldId id="266" r:id="rId11"/>
-    <p:sldId id="267" r:id="rId12"/>
-    <p:sldId id="268" r:id="rId13"/>
-    <p:sldId id="269" r:id="rId14"/>
-    <p:sldId id="260" r:id="rId15"/>
+    <p:sldId id="270" r:id="rId11"/>
+    <p:sldId id="266" r:id="rId12"/>
+    <p:sldId id="267" r:id="rId13"/>
+    <p:sldId id="268" r:id="rId14"/>
+    <p:sldId id="269" r:id="rId15"/>
+    <p:sldId id="260" r:id="rId16"/>
   </p:sldIdLst>
   <p:sldSz cx="12192000" cy="6858000"/>
   <p:notesSz cx="6858000" cy="9144000"/>
@@ -818,7 +819,7 @@
           <a:p>
             <a:fld id="{5B6CC092-CABA-48D0-B3F7-B535EA5228F9}" type="slidenum">
               <a:rPr lang="es-ES" smtClean="0"/>
-              <a:t>10</a:t>
+              <a:t>11</a:t>
             </a:fld>
             <a:endParaRPr lang="es-ES"/>
           </a:p>
@@ -902,7 +903,7 @@
           <a:p>
             <a:fld id="{5B6CC092-CABA-48D0-B3F7-B535EA5228F9}" type="slidenum">
               <a:rPr lang="es-ES" smtClean="0"/>
-              <a:t>11</a:t>
+              <a:t>12</a:t>
             </a:fld>
             <a:endParaRPr lang="es-ES"/>
           </a:p>
@@ -1406,7 +1407,7 @@
           <a:p>
             <a:fld id="{5B6CC092-CABA-48D0-B3F7-B535EA5228F9}" type="slidenum">
               <a:rPr lang="es-ES" smtClean="0"/>
-              <a:t>7</a:t>
+              <a:t>8</a:t>
             </a:fld>
             <a:endParaRPr lang="es-ES"/>
           </a:p>
@@ -1490,7 +1491,7 @@
           <a:p>
             <a:fld id="{5B6CC092-CABA-48D0-B3F7-B535EA5228F9}" type="slidenum">
               <a:rPr lang="es-ES" smtClean="0"/>
-              <a:t>8</a:t>
+              <a:t>9</a:t>
             </a:fld>
             <a:endParaRPr lang="es-ES"/>
           </a:p>
@@ -1574,7 +1575,7 @@
           <a:p>
             <a:fld id="{5B6CC092-CABA-48D0-B3F7-B535EA5228F9}" type="slidenum">
               <a:rPr lang="es-ES" smtClean="0"/>
-              <a:t>9</a:t>
+              <a:t>10</a:t>
             </a:fld>
             <a:endParaRPr lang="es-ES"/>
           </a:p>
@@ -6085,6 +6086,101 @@
       </p:sp>
       <p:pic>
         <p:nvPicPr>
+          <p:cNvPr id="5" name="image15.png">
+            <a:extLst>
+              <a:ext uri="{FF2B5EF4-FFF2-40B4-BE49-F238E27FC236}">
+                <a16:creationId xmlns:a16="http://schemas.microsoft.com/office/drawing/2014/main" id="{E94C1A0A-ED1D-4CB0-803D-705BAFFFFB7F}"/>
+              </a:ext>
+            </a:extLst>
+          </p:cNvPr>
+          <p:cNvPicPr/>
+          <p:nvPr/>
+        </p:nvPicPr>
+        <p:blipFill>
+          <a:blip r:embed="rId3"/>
+          <a:srcRect r="14195" b="13061"/>
+          <a:stretch>
+            <a:fillRect/>
+          </a:stretch>
+        </p:blipFill>
+        <p:spPr>
+          <a:xfrm>
+            <a:off x="483221" y="2049424"/>
+            <a:ext cx="11225558" cy="4164764"/>
+          </a:xfrm>
+          <a:prstGeom prst="rect">
+            <a:avLst/>
+          </a:prstGeom>
+          <a:ln/>
+        </p:spPr>
+      </p:pic>
+    </p:spTree>
+    <p:extLst>
+      <p:ext uri="{BB962C8B-B14F-4D97-AF65-F5344CB8AC3E}">
+        <p14:creationId xmlns:p14="http://schemas.microsoft.com/office/powerpoint/2010/main" val="2248292872"/>
+      </p:ext>
+    </p:extLst>
+  </p:cSld>
+  <p:clrMapOvr>
+    <a:masterClrMapping/>
+  </p:clrMapOvr>
+</p:sld>
+</file>
+
+<file path=ppt/slides/slide11.xml><?xml version="1.0" encoding="utf-8"?>
+<p:sld xmlns:a="http://schemas.openxmlformats.org/drawingml/2006/main" xmlns:r="http://schemas.openxmlformats.org/officeDocument/2006/relationships" xmlns:p="http://schemas.openxmlformats.org/presentationml/2006/main">
+  <p:cSld>
+    <p:spTree>
+      <p:nvGrpSpPr>
+        <p:cNvPr id="1" name=""/>
+        <p:cNvGrpSpPr/>
+        <p:nvPr/>
+      </p:nvGrpSpPr>
+      <p:grpSpPr>
+        <a:xfrm>
+          <a:off x="0" y="0"/>
+          <a:ext cx="0" cy="0"/>
+          <a:chOff x="0" y="0"/>
+          <a:chExt cx="0" cy="0"/>
+        </a:xfrm>
+      </p:grpSpPr>
+      <p:sp>
+        <p:nvSpPr>
+          <p:cNvPr id="2" name="Título 1">
+            <a:extLst>
+              <a:ext uri="{FF2B5EF4-FFF2-40B4-BE49-F238E27FC236}">
+                <a16:creationId xmlns:a16="http://schemas.microsoft.com/office/drawing/2014/main" id="{921633EB-7DCB-4DDC-80AF-C885A3EE1245}"/>
+              </a:ext>
+            </a:extLst>
+          </p:cNvPr>
+          <p:cNvSpPr>
+            <a:spLocks noGrp="1"/>
+          </p:cNvSpPr>
+          <p:nvPr>
+            <p:ph type="title"/>
+          </p:nvPr>
+        </p:nvSpPr>
+        <p:spPr/>
+        <p:txBody>
+          <a:bodyPr rtlCol="0">
+            <a:normAutofit/>
+          </a:bodyPr>
+          <a:lstStyle/>
+          <a:p>
+            <a:pPr rtl="0"/>
+            <a:r>
+              <a:rPr lang="es-ES" sz="3600" dirty="0" err="1"/>
+              <a:t>bizagi</a:t>
+            </a:r>
+            <a:r>
+              <a:rPr lang="es-ES" sz="3600" dirty="0"/>
+              <a:t>:</a:t>
+            </a:r>
+          </a:p>
+        </p:txBody>
+      </p:sp>
+      <p:pic>
+        <p:nvPicPr>
           <p:cNvPr id="4" name="image3.png">
             <a:extLst>
               <a:ext uri="{FF2B5EF4-FFF2-40B4-BE49-F238E27FC236}">
@@ -6126,7 +6222,7 @@
 </p:sld>
 </file>
 
-<file path=ppt/slides/slide11.xml><?xml version="1.0" encoding="utf-8"?>
+<file path=ppt/slides/slide12.xml><?xml version="1.0" encoding="utf-8"?>
 <p:sld xmlns:a="http://schemas.openxmlformats.org/drawingml/2006/main" xmlns:r="http://schemas.openxmlformats.org/officeDocument/2006/relationships" xmlns:p="http://schemas.openxmlformats.org/presentationml/2006/main">
   <p:cSld>
     <p:bg>
@@ -6750,32 +6846,11 @@
           <a:p>
             <a:pPr algn="just"/>
             <a:r>
-              <a:rPr lang="es-MX" sz="2400" b="0" i="0" dirty="0" err="1">
-                <a:effectLst/>
-                <a:latin typeface="Söhne"/>
-              </a:rPr>
-              <a:t>TicketStore</a:t>
-            </a:r>
-            <a:r>
               <a:rPr lang="es-MX" sz="2400" b="0" i="0" dirty="0">
                 <a:effectLst/>
                 <a:latin typeface="Söhne"/>
               </a:rPr>
-              <a:t>, en colaboración con el teatro "Alfredito", ofrece una experiencia personalizada para amantes de los espectáculos. Permite a sus usuarios explorar la programación de las funciones de los eventos disponibles. Facilita a sus trabajadores agregar y gestionar shows, buscando potenciar a "Alfredito" en el mercado. Desarrollada en Java junto a MySQL, utilizando la metodología RUP y también tecnologías como JPA, Spring y Jasper </a:t>
-            </a:r>
-            <a:r>
-              <a:rPr lang="es-MX" sz="2400" b="0" i="0" dirty="0" err="1">
-                <a:effectLst/>
-                <a:latin typeface="Söhne"/>
-              </a:rPr>
-              <a:t>Reports</a:t>
-            </a:r>
-            <a:r>
-              <a:rPr lang="es-MX" sz="2400" b="0" i="0" dirty="0">
-                <a:effectLst/>
-                <a:latin typeface="Söhne"/>
-              </a:rPr>
-              <a:t> para una mejor eficiencia y experiencia óptima.</a:t>
+              <a:t>TicketStore, en colaboración con el teatro "Alfredito", ofrece una experiencia personalizada para amantes de los espectáculos. Permite a sus usuarios explorar la programación de las funciones de los eventos disponibles. Facilita a sus trabajadores agregar y gestionar shows, buscando potenciar a "Alfredito" en el mercado. Desarrollada en Java junto a MySQL, utilizando la metodología RUP y también tecnologías como JPA, Spring y Jasper Reports para una mejor eficiencia y experiencia óptima.</a:t>
             </a:r>
             <a:endParaRPr lang="es-PE" sz="2400" dirty="0"/>
           </a:p>
@@ -6881,21 +6956,7 @@
                 <a:effectLst/>
                 <a:latin typeface="Söhne"/>
               </a:rPr>
-              <a:t>En un Perú con creciente demanda de entretenimiento, el teatro "Alfredito" enfrenta obstáculos debido a su sistema manual de boletería. </a:t>
-            </a:r>
-            <a:r>
-              <a:rPr lang="es-MX" sz="2400" b="0" i="0" dirty="0" err="1">
-                <a:effectLst/>
-                <a:latin typeface="Söhne"/>
-              </a:rPr>
-              <a:t>TicketStore</a:t>
-            </a:r>
-            <a:r>
-              <a:rPr lang="es-MX" sz="2400" b="0" i="0" dirty="0">
-                <a:effectLst/>
-                <a:latin typeface="Söhne"/>
-              </a:rPr>
-              <a:t> surge como solución tecnológica para mejorar accesibilidad y gestión, haciendo el teatro más atractivo para artistas y público. El objetivo es revitalizar la industria teatral y fortalecer su presencia en el mercado del entretenimiento, ofreciendo una plataforma que simplifica la administración de espectáculos y mejora la experiencia de compra.</a:t>
+              <a:t>En un Perú con creciente demanda de entretenimiento, el teatro "Alfredito" enfrenta obstáculos debido a su sistema manual de boletería. TicketStore surge como solución tecnológica para mejorar accesibilidad y gestión, haciendo el teatro más atractivo para artistas y público. El objetivo es revitalizar la industria teatral y fortalecer su presencia en el mercado del entretenimiento, ofreciendo una plataforma que simplifica la administración de espectáculos y mejora la experiencia de compra.</a:t>
             </a:r>
             <a:endParaRPr lang="es-PE" sz="2400" dirty="0"/>
           </a:p>
@@ -7253,18 +7314,11 @@
           <a:p>
             <a:pPr algn="just"/>
             <a:r>
-              <a:rPr lang="es-MX" sz="2800" b="0" i="0" dirty="0" err="1">
-                <a:effectLst/>
-                <a:latin typeface="Söhne"/>
-              </a:rPr>
-              <a:t>TicketStore</a:t>
-            </a:r>
-            <a:r>
               <a:rPr lang="es-MX" sz="2800" b="0" i="0" dirty="0">
                 <a:effectLst/>
                 <a:latin typeface="Söhne"/>
               </a:rPr>
-              <a:t>, una plataforma web, busca modernizar y optimizar la gestión de espectáculos del teatro "Alfredito". Permite a usuarios explorar y adquirir boletos para diversos eventos, mientras brinda a los trabajadores del teatro herramientas eficientes para agregar, gestionar y promocionar nuevos shows.</a:t>
+              <a:t>TicketStore, una plataforma web, busca modernizar y optimizar la gestión de espectáculos del teatro "Alfredito". Permite a usuarios explorar y adquirir boletos para diversos eventos, mientras brinda a los trabajadores del teatro herramientas eficientes para agregar, gestionar y promocionar nuevos shows.</a:t>
             </a:r>
           </a:p>
         </p:txBody>
@@ -7283,6 +7337,94 @@
 </file>
 
 <file path=ppt/slides/slide7.xml><?xml version="1.0" encoding="utf-8"?>
+<p:sld xmlns:a="http://schemas.openxmlformats.org/drawingml/2006/main" xmlns:r="http://schemas.openxmlformats.org/officeDocument/2006/relationships" xmlns:p="http://schemas.openxmlformats.org/presentationml/2006/main">
+  <p:cSld>
+    <p:spTree>
+      <p:nvGrpSpPr>
+        <p:cNvPr id="1" name=""/>
+        <p:cNvGrpSpPr/>
+        <p:nvPr/>
+      </p:nvGrpSpPr>
+      <p:grpSpPr>
+        <a:xfrm>
+          <a:off x="0" y="0"/>
+          <a:ext cx="0" cy="0"/>
+          <a:chOff x="0" y="0"/>
+          <a:chExt cx="0" cy="0"/>
+        </a:xfrm>
+      </p:grpSpPr>
+      <p:sp>
+        <p:nvSpPr>
+          <p:cNvPr id="2" name="Título 1">
+            <a:extLst>
+              <a:ext uri="{FF2B5EF4-FFF2-40B4-BE49-F238E27FC236}">
+                <a16:creationId xmlns:a16="http://schemas.microsoft.com/office/drawing/2014/main" id="{48D95F90-9495-4DA6-B323-87E6B0796450}"/>
+              </a:ext>
+            </a:extLst>
+          </p:cNvPr>
+          <p:cNvSpPr>
+            <a:spLocks noGrp="1"/>
+          </p:cNvSpPr>
+          <p:nvPr>
+            <p:ph type="title"/>
+          </p:nvPr>
+        </p:nvSpPr>
+        <p:spPr/>
+        <p:txBody>
+          <a:bodyPr>
+            <a:normAutofit/>
+          </a:bodyPr>
+          <a:lstStyle/>
+          <a:p>
+            <a:r>
+              <a:rPr lang="es-PE" sz="3200" dirty="0"/>
+              <a:t>Diagrama GENERAL DEL CU</a:t>
+            </a:r>
+          </a:p>
+        </p:txBody>
+      </p:sp>
+      <p:pic>
+        <p:nvPicPr>
+          <p:cNvPr id="4" name="image8.png">
+            <a:extLst>
+              <a:ext uri="{FF2B5EF4-FFF2-40B4-BE49-F238E27FC236}">
+                <a16:creationId xmlns:a16="http://schemas.microsoft.com/office/drawing/2014/main" id="{576133DC-E652-4323-B83B-09ADA5DD1D9C}"/>
+              </a:ext>
+            </a:extLst>
+          </p:cNvPr>
+          <p:cNvPicPr/>
+          <p:nvPr/>
+        </p:nvPicPr>
+        <p:blipFill rotWithShape="1">
+          <a:blip r:embed="rId2"/>
+          <a:srcRect t="6178" b="9261"/>
+          <a:stretch/>
+        </p:blipFill>
+        <p:spPr>
+          <a:xfrm>
+            <a:off x="6476833" y="1073425"/>
+            <a:ext cx="5133975" cy="5082419"/>
+          </a:xfrm>
+          <a:prstGeom prst="rect">
+            <a:avLst/>
+          </a:prstGeom>
+          <a:ln/>
+        </p:spPr>
+      </p:pic>
+    </p:spTree>
+    <p:extLst>
+      <p:ext uri="{BB962C8B-B14F-4D97-AF65-F5344CB8AC3E}">
+        <p14:creationId xmlns:p14="http://schemas.microsoft.com/office/powerpoint/2010/main" val="1120506026"/>
+      </p:ext>
+    </p:extLst>
+  </p:cSld>
+  <p:clrMapOvr>
+    <a:masterClrMapping/>
+  </p:clrMapOvr>
+</p:sld>
+</file>
+
+<file path=ppt/slides/slide8.xml><?xml version="1.0" encoding="utf-8"?>
 <p:sld xmlns:a="http://schemas.openxmlformats.org/drawingml/2006/main" xmlns:r="http://schemas.openxmlformats.org/officeDocument/2006/relationships" xmlns:p="http://schemas.openxmlformats.org/presentationml/2006/main">
   <p:cSld>
     <p:spTree>
@@ -7411,7 +7553,7 @@
 </p:sld>
 </file>
 
-<file path=ppt/slides/slide8.xml><?xml version="1.0" encoding="utf-8"?>
+<file path=ppt/slides/slide9.xml><?xml version="1.0" encoding="utf-8"?>
 <p:sld xmlns:a="http://schemas.openxmlformats.org/drawingml/2006/main" xmlns:r="http://schemas.openxmlformats.org/officeDocument/2006/relationships" xmlns:p="http://schemas.openxmlformats.org/presentationml/2006/main">
   <p:cSld>
     <p:spTree>
@@ -7531,101 +7673,6 @@
     <p:extLst>
       <p:ext uri="{BB962C8B-B14F-4D97-AF65-F5344CB8AC3E}">
         <p14:creationId xmlns:p14="http://schemas.microsoft.com/office/powerpoint/2010/main" val="979965798"/>
-      </p:ext>
-    </p:extLst>
-  </p:cSld>
-  <p:clrMapOvr>
-    <a:masterClrMapping/>
-  </p:clrMapOvr>
-</p:sld>
-</file>
-
-<file path=ppt/slides/slide9.xml><?xml version="1.0" encoding="utf-8"?>
-<p:sld xmlns:a="http://schemas.openxmlformats.org/drawingml/2006/main" xmlns:r="http://schemas.openxmlformats.org/officeDocument/2006/relationships" xmlns:p="http://schemas.openxmlformats.org/presentationml/2006/main">
-  <p:cSld>
-    <p:spTree>
-      <p:nvGrpSpPr>
-        <p:cNvPr id="1" name=""/>
-        <p:cNvGrpSpPr/>
-        <p:nvPr/>
-      </p:nvGrpSpPr>
-      <p:grpSpPr>
-        <a:xfrm>
-          <a:off x="0" y="0"/>
-          <a:ext cx="0" cy="0"/>
-          <a:chOff x="0" y="0"/>
-          <a:chExt cx="0" cy="0"/>
-        </a:xfrm>
-      </p:grpSpPr>
-      <p:sp>
-        <p:nvSpPr>
-          <p:cNvPr id="2" name="Título 1">
-            <a:extLst>
-              <a:ext uri="{FF2B5EF4-FFF2-40B4-BE49-F238E27FC236}">
-                <a16:creationId xmlns:a16="http://schemas.microsoft.com/office/drawing/2014/main" id="{921633EB-7DCB-4DDC-80AF-C885A3EE1245}"/>
-              </a:ext>
-            </a:extLst>
-          </p:cNvPr>
-          <p:cNvSpPr>
-            <a:spLocks noGrp="1"/>
-          </p:cNvSpPr>
-          <p:nvPr>
-            <p:ph type="title"/>
-          </p:nvPr>
-        </p:nvSpPr>
-        <p:spPr/>
-        <p:txBody>
-          <a:bodyPr rtlCol="0">
-            <a:normAutofit/>
-          </a:bodyPr>
-          <a:lstStyle/>
-          <a:p>
-            <a:pPr rtl="0"/>
-            <a:r>
-              <a:rPr lang="es-ES" sz="3600" dirty="0" err="1"/>
-              <a:t>bizagi</a:t>
-            </a:r>
-            <a:r>
-              <a:rPr lang="es-ES" sz="3600" dirty="0"/>
-              <a:t>:</a:t>
-            </a:r>
-          </a:p>
-        </p:txBody>
-      </p:sp>
-      <p:pic>
-        <p:nvPicPr>
-          <p:cNvPr id="5" name="image15.png">
-            <a:extLst>
-              <a:ext uri="{FF2B5EF4-FFF2-40B4-BE49-F238E27FC236}">
-                <a16:creationId xmlns:a16="http://schemas.microsoft.com/office/drawing/2014/main" id="{E94C1A0A-ED1D-4CB0-803D-705BAFFFFB7F}"/>
-              </a:ext>
-            </a:extLst>
-          </p:cNvPr>
-          <p:cNvPicPr/>
-          <p:nvPr/>
-        </p:nvPicPr>
-        <p:blipFill>
-          <a:blip r:embed="rId3"/>
-          <a:srcRect r="14195" b="13061"/>
-          <a:stretch>
-            <a:fillRect/>
-          </a:stretch>
-        </p:blipFill>
-        <p:spPr>
-          <a:xfrm>
-            <a:off x="483221" y="2049424"/>
-            <a:ext cx="11225558" cy="4164764"/>
-          </a:xfrm>
-          <a:prstGeom prst="rect">
-            <a:avLst/>
-          </a:prstGeom>
-          <a:ln/>
-        </p:spPr>
-      </p:pic>
-    </p:spTree>
-    <p:extLst>
-      <p:ext uri="{BB962C8B-B14F-4D97-AF65-F5344CB8AC3E}">
-        <p14:creationId xmlns:p14="http://schemas.microsoft.com/office/powerpoint/2010/main" val="2248292872"/>
       </p:ext>
     </p:extLst>
   </p:cSld>
@@ -8504,6 +8551,14 @@
 </file>
 
 <file path=customXml/item2.xml><?xml version="1.0" encoding="utf-8"?>
+<p:properties xmlns:p="http://schemas.microsoft.com/office/2006/metadata/properties" xmlns:xsi="http://www.w3.org/2001/XMLSchema-instance" xmlns:pc="http://schemas.microsoft.com/office/infopath/2007/PartnerControls">
+  <documentManagement>
+    <MediaServiceKeyPoints xmlns="71af3243-3dd4-4a8d-8c0d-dd76da1f02a5" xsi:nil="true"/>
+  </documentManagement>
+</p:properties>
+</file>
+
+<file path=customXml/item3.xml><?xml version="1.0" encoding="utf-8"?>
 <ct:contentTypeSchema xmlns:ct="http://schemas.microsoft.com/office/2006/metadata/contentType" xmlns:ma="http://schemas.microsoft.com/office/2006/metadata/properties/metaAttributes" ct:_="" ma:_="" ma:contentTypeName="Document" ma:contentTypeID="0x01010079F111ED35F8CC479449609E8A0923A6" ma:contentTypeVersion="11" ma:contentTypeDescription="Create a new document." ma:contentTypeScope="" ma:versionID="1c2eb7a32e66fb6e4260f3771546a5e2">
   <xsd:schema xmlns:xsd="http://www.w3.org/2001/XMLSchema" xmlns:xs="http://www.w3.org/2001/XMLSchema" xmlns:p="http://schemas.microsoft.com/office/2006/metadata/properties" xmlns:ns2="71af3243-3dd4-4a8d-8c0d-dd76da1f02a5" xmlns:ns3="16c05727-aa75-4e4a-9b5f-8a80a1165891" targetNamespace="http://schemas.microsoft.com/office/2006/metadata/properties" ma:root="true" ma:fieldsID="04e1f6479c48b08974ba73b5ca973489" ns2:_="" ns3:_="">
     <xsd:import namespace="71af3243-3dd4-4a8d-8c0d-dd76da1f02a5"/>
@@ -8714,14 +8769,6 @@
 </ct:contentTypeSchema>
 </file>
 
-<file path=customXml/item3.xml><?xml version="1.0" encoding="utf-8"?>
-<p:properties xmlns:p="http://schemas.microsoft.com/office/2006/metadata/properties" xmlns:xsi="http://www.w3.org/2001/XMLSchema-instance" xmlns:pc="http://schemas.microsoft.com/office/infopath/2007/PartnerControls">
-  <documentManagement>
-    <MediaServiceKeyPoints xmlns="71af3243-3dd4-4a8d-8c0d-dd76da1f02a5" xsi:nil="true"/>
-  </documentManagement>
-</p:properties>
-</file>
-
 <file path=customXml/itemProps1.xml><?xml version="1.0" encoding="utf-8"?>
 <ds:datastoreItem xmlns:ds="http://schemas.openxmlformats.org/officeDocument/2006/customXml" ds:itemID="{BA0CF3B2-1F0F-4FC5-8002-3E4869ABAD55}">
   <ds:schemaRefs>
@@ -8731,6 +8778,16 @@
 </file>
 
 <file path=customXml/itemProps2.xml><?xml version="1.0" encoding="utf-8"?>
+<ds:datastoreItem xmlns:ds="http://schemas.openxmlformats.org/officeDocument/2006/customXml" ds:itemID="{1EBC12AA-1C15-4500-BC9C-8EE83A441DE9}">
+  <ds:schemaRefs>
+    <ds:schemaRef ds:uri="http://schemas.microsoft.com/office/2006/metadata/properties"/>
+    <ds:schemaRef ds:uri="http://schemas.microsoft.com/office/infopath/2007/PartnerControls"/>
+    <ds:schemaRef ds:uri="71af3243-3dd4-4a8d-8c0d-dd76da1f02a5"/>
+  </ds:schemaRefs>
+</ds:datastoreItem>
+</file>
+
+<file path=customXml/itemProps3.xml><?xml version="1.0" encoding="utf-8"?>
 <ds:datastoreItem xmlns:ds="http://schemas.openxmlformats.org/officeDocument/2006/customXml" ds:itemID="{1F69AFF4-BB30-4BA0-AD22-82CC3C43276B}">
   <ds:schemaRefs>
     <ds:schemaRef ds:uri="http://schemas.microsoft.com/office/2006/metadata/contentType"/>
@@ -8747,14 +8804,4 @@
     <ds:schemaRef ds:uri="http://schemas.microsoft.com/internal/obd"/>
   </ds:schemaRefs>
 </ds:datastoreItem>
-</file>
-
-<file path=customXml/itemProps3.xml><?xml version="1.0" encoding="utf-8"?>
-<ds:datastoreItem xmlns:ds="http://schemas.openxmlformats.org/officeDocument/2006/customXml" ds:itemID="{1EBC12AA-1C15-4500-BC9C-8EE83A441DE9}">
-  <ds:schemaRefs>
-    <ds:schemaRef ds:uri="http://schemas.microsoft.com/office/2006/metadata/properties"/>
-    <ds:schemaRef ds:uri="http://schemas.microsoft.com/office/infopath/2007/PartnerControls"/>
-    <ds:schemaRef ds:uri="71af3243-3dd4-4a8d-8c0d-dd76da1f02a5"/>
-  </ds:schemaRefs>
-</ds:datastoreItem>
 </file>